--- a/Virtual Contact book ppt.pptx
+++ b/Virtual Contact book ppt.pptx
@@ -255,7 +255,7 @@
           <a:p>
             <a:fld id="{F0CA3EE2-30F5-44DA-8E23-1F6B41D77DC6}" type="datetimeFigureOut">
               <a:rPr lang="en-US" smtClean="0"/>
-              <a:t>11/11/2023</a:t>
+              <a:t>3/14/2025</a:t>
             </a:fld>
             <a:endParaRPr lang="en-US"/>
           </a:p>
@@ -423,7 +423,7 @@
           <a:p>
             <a:fld id="{F0CA3EE2-30F5-44DA-8E23-1F6B41D77DC6}" type="datetimeFigureOut">
               <a:rPr lang="en-US" smtClean="0"/>
-              <a:t>11/11/2023</a:t>
+              <a:t>3/14/2025</a:t>
             </a:fld>
             <a:endParaRPr lang="en-US"/>
           </a:p>
@@ -601,7 +601,7 @@
           <a:p>
             <a:fld id="{F0CA3EE2-30F5-44DA-8E23-1F6B41D77DC6}" type="datetimeFigureOut">
               <a:rPr lang="en-US" smtClean="0"/>
-              <a:t>11/11/2023</a:t>
+              <a:t>3/14/2025</a:t>
             </a:fld>
             <a:endParaRPr lang="en-US"/>
           </a:p>
@@ -769,7 +769,7 @@
           <a:p>
             <a:fld id="{F0CA3EE2-30F5-44DA-8E23-1F6B41D77DC6}" type="datetimeFigureOut">
               <a:rPr lang="en-US" smtClean="0"/>
-              <a:t>11/11/2023</a:t>
+              <a:t>3/14/2025</a:t>
             </a:fld>
             <a:endParaRPr lang="en-US"/>
           </a:p>
@@ -1014,7 +1014,7 @@
           <a:p>
             <a:fld id="{F0CA3EE2-30F5-44DA-8E23-1F6B41D77DC6}" type="datetimeFigureOut">
               <a:rPr lang="en-US" smtClean="0"/>
-              <a:t>11/11/2023</a:t>
+              <a:t>3/14/2025</a:t>
             </a:fld>
             <a:endParaRPr lang="en-US"/>
           </a:p>
@@ -1243,7 +1243,7 @@
           <a:p>
             <a:fld id="{F0CA3EE2-30F5-44DA-8E23-1F6B41D77DC6}" type="datetimeFigureOut">
               <a:rPr lang="en-US" smtClean="0"/>
-              <a:t>11/11/2023</a:t>
+              <a:t>3/14/2025</a:t>
             </a:fld>
             <a:endParaRPr lang="en-US"/>
           </a:p>
@@ -1607,7 +1607,7 @@
           <a:p>
             <a:fld id="{F0CA3EE2-30F5-44DA-8E23-1F6B41D77DC6}" type="datetimeFigureOut">
               <a:rPr lang="en-US" smtClean="0"/>
-              <a:t>11/11/2023</a:t>
+              <a:t>3/14/2025</a:t>
             </a:fld>
             <a:endParaRPr lang="en-US"/>
           </a:p>
@@ -1724,7 +1724,7 @@
           <a:p>
             <a:fld id="{F0CA3EE2-30F5-44DA-8E23-1F6B41D77DC6}" type="datetimeFigureOut">
               <a:rPr lang="en-US" smtClean="0"/>
-              <a:t>11/11/2023</a:t>
+              <a:t>3/14/2025</a:t>
             </a:fld>
             <a:endParaRPr lang="en-US"/>
           </a:p>
@@ -1819,7 +1819,7 @@
           <a:p>
             <a:fld id="{F0CA3EE2-30F5-44DA-8E23-1F6B41D77DC6}" type="datetimeFigureOut">
               <a:rPr lang="en-US" smtClean="0"/>
-              <a:t>11/11/2023</a:t>
+              <a:t>3/14/2025</a:t>
             </a:fld>
             <a:endParaRPr lang="en-US"/>
           </a:p>
@@ -2094,7 +2094,7 @@
           <a:p>
             <a:fld id="{F0CA3EE2-30F5-44DA-8E23-1F6B41D77DC6}" type="datetimeFigureOut">
               <a:rPr lang="en-US" smtClean="0"/>
-              <a:t>11/11/2023</a:t>
+              <a:t>3/14/2025</a:t>
             </a:fld>
             <a:endParaRPr lang="en-US"/>
           </a:p>
@@ -2346,7 +2346,7 @@
           <a:p>
             <a:fld id="{F0CA3EE2-30F5-44DA-8E23-1F6B41D77DC6}" type="datetimeFigureOut">
               <a:rPr lang="en-US" smtClean="0"/>
-              <a:t>11/11/2023</a:t>
+              <a:t>3/14/2025</a:t>
             </a:fld>
             <a:endParaRPr lang="en-US"/>
           </a:p>
@@ -2560,7 +2560,7 @@
           <a:p>
             <a:fld id="{F0CA3EE2-30F5-44DA-8E23-1F6B41D77DC6}" type="datetimeFigureOut">
               <a:rPr lang="en-US" smtClean="0"/>
-              <a:t>11/11/2023</a:t>
+              <a:t>3/14/2025</a:t>
             </a:fld>
             <a:endParaRPr lang="en-US"/>
           </a:p>
@@ -3033,13 +3033,7 @@
               <a:rPr lang="en-US" sz="3000" dirty="0" smtClean="0">
                 <a:latin typeface="Times New Roman" panose="02020603050405020304" pitchFamily="18" charset="0"/>
               </a:rPr>
-              <a:t>TEAM </a:t>
-            </a:r>
-            <a:r>
-              <a:rPr lang="en-US" sz="3000" dirty="0" smtClean="0">
-                <a:latin typeface="Times New Roman" panose="02020603050405020304" pitchFamily="18" charset="0"/>
-              </a:rPr>
-              <a:t>MEMBERS:</a:t>
+              <a:t>TEAM MEMBERS:</a:t>
             </a:r>
             <a:endParaRPr lang="en-US" sz="3000" dirty="0">
               <a:latin typeface="Times New Roman" panose="02020603050405020304" pitchFamily="18" charset="0"/>
@@ -3056,7 +3050,7 @@
         <p:spPr>
           <a:xfrm>
             <a:off x="393895" y="4192171"/>
-            <a:ext cx="4397046" cy="1323439"/>
+            <a:ext cx="4397046" cy="707886"/>
           </a:xfrm>
           <a:prstGeom prst="rect">
             <a:avLst/>
@@ -3073,17 +3067,8 @@
               <a:rPr lang="en-US" sz="2000" dirty="0" smtClean="0">
                 <a:latin typeface="Times New Roman" panose="02020603050405020304" pitchFamily="18" charset="0"/>
               </a:rPr>
-              <a:t>NITHIN KUMAR </a:t>
-            </a:r>
-            <a:r>
-              <a:rPr lang="en-US" sz="2000" dirty="0" smtClean="0">
-                <a:latin typeface="Times New Roman" panose="02020603050405020304" pitchFamily="18" charset="0"/>
-              </a:rPr>
-              <a:t>S(1JB22CS097)</a:t>
-            </a:r>
-            <a:endParaRPr lang="en-US" sz="2000" dirty="0" smtClean="0">
-              <a:latin typeface="Times New Roman" panose="02020603050405020304" pitchFamily="18" charset="0"/>
-            </a:endParaRPr>
+              <a:t>NITHIN KUMAR S(1JB22CS097)</a:t>
+            </a:r>
           </a:p>
           <a:p>
             <a:r>
@@ -3093,52 +3078,18 @@
               <a:t>PAVAN KUMAR </a:t>
             </a:r>
             <a:r>
-              <a:rPr lang="en-US" sz="2000" dirty="0" smtClean="0">
+              <a:rPr lang="en-US" sz="2000" smtClean="0">
                 <a:latin typeface="Times New Roman" panose="02020603050405020304" pitchFamily="18" charset="0"/>
               </a:rPr>
-              <a:t>KS(1JB22CS102)</a:t>
-            </a:r>
-            <a:endParaRPr lang="en-US" sz="2000" dirty="0" smtClean="0">
-              <a:latin typeface="Times New Roman" panose="02020603050405020304" pitchFamily="18" charset="0"/>
-            </a:endParaRPr>
-          </a:p>
-          <a:p>
-            <a:r>
-              <a:rPr lang="en-US" sz="2000" dirty="0" smtClean="0">
+              <a:t>KS(1JB22CS102</a:t>
+            </a:r>
+            <a:r>
+              <a:rPr lang="en-US" sz="2000" smtClean="0">
                 <a:latin typeface="Times New Roman" panose="02020603050405020304" pitchFamily="18" charset="0"/>
               </a:rPr>
-              <a:t>PRASHANTH </a:t>
-            </a:r>
-            <a:r>
-              <a:rPr lang="en-US" sz="2000" dirty="0">
-                <a:latin typeface="Times New Roman" panose="02020603050405020304" pitchFamily="18" charset="0"/>
-              </a:rPr>
-              <a:t>KT (</a:t>
-            </a:r>
-            <a:r>
-              <a:rPr lang="en-US" sz="2000" dirty="0" smtClean="0">
-                <a:latin typeface="Times New Roman" panose="02020603050405020304" pitchFamily="18" charset="0"/>
-              </a:rPr>
-              <a:t>1JB22CS110)</a:t>
+              <a:t>)</a:t>
             </a:r>
             <a:endParaRPr lang="en-US" sz="2000" dirty="0" smtClean="0">
-              <a:latin typeface="Times New Roman" panose="02020603050405020304" pitchFamily="18" charset="0"/>
-            </a:endParaRPr>
-          </a:p>
-          <a:p>
-            <a:r>
-              <a:rPr lang="en-US" sz="2000" dirty="0">
-                <a:latin typeface="Times New Roman" panose="02020603050405020304" pitchFamily="18" charset="0"/>
-              </a:rPr>
-              <a:t>PREETHU G (</a:t>
-            </a:r>
-            <a:r>
-              <a:rPr lang="en-US" sz="2000" dirty="0" smtClean="0">
-                <a:latin typeface="Times New Roman" panose="02020603050405020304" pitchFamily="18" charset="0"/>
-              </a:rPr>
-              <a:t>1JB22CS111)</a:t>
-            </a:r>
-            <a:endParaRPr lang="en-US" sz="2000" dirty="0">
               <a:latin typeface="Times New Roman" panose="02020603050405020304" pitchFamily="18" charset="0"/>
             </a:endParaRPr>
           </a:p>
@@ -3921,7 +3872,7 @@
           <p:cNvPr id="10" name="Group 9">
             <a:extLst>
               <a:ext uri="{FF2B5EF4-FFF2-40B4-BE49-F238E27FC236}">
-                <a16:creationId xmlns:a16="http://schemas.microsoft.com/office/drawing/2014/main" xmlns="" id="{4CA3FF0E-BFEF-45D8-D5A2-0C1EB9D81FB9}"/>
+                <a16:creationId xmlns="" xmlns:a16="http://schemas.microsoft.com/office/drawing/2014/main" id="{4CA3FF0E-BFEF-45D8-D5A2-0C1EB9D81FB9}"/>
               </a:ext>
             </a:extLst>
           </p:cNvPr>
@@ -3941,7 +3892,7 @@
             <p:cNvPr id="7" name="Rectangle: Rounded Corners 6">
               <a:extLst>
                 <a:ext uri="{FF2B5EF4-FFF2-40B4-BE49-F238E27FC236}">
-                  <a16:creationId xmlns:a16="http://schemas.microsoft.com/office/drawing/2014/main" xmlns="" id="{19116CB2-C678-F86E-9252-88BBCA94CBBF}"/>
+                  <a16:creationId xmlns="" xmlns:a16="http://schemas.microsoft.com/office/drawing/2014/main" id="{19116CB2-C678-F86E-9252-88BBCA94CBBF}"/>
                 </a:ext>
               </a:extLst>
             </p:cNvPr>
@@ -3995,7 +3946,7 @@
             <p:cNvPr id="2" name="Rectangle 1">
               <a:extLst>
                 <a:ext uri="{FF2B5EF4-FFF2-40B4-BE49-F238E27FC236}">
-                  <a16:creationId xmlns:a16="http://schemas.microsoft.com/office/drawing/2014/main" xmlns="" id="{BFEB2F58-2F1E-22E4-7E2F-556F808DD4F2}"/>
+                  <a16:creationId xmlns="" xmlns:a16="http://schemas.microsoft.com/office/drawing/2014/main" id="{BFEB2F58-2F1E-22E4-7E2F-556F808DD4F2}"/>
                 </a:ext>
               </a:extLst>
             </p:cNvPr>
@@ -6205,7 +6156,7 @@
           <p:cNvPr id="5" name="Group 4">
             <a:extLst>
               <a:ext uri="{FF2B5EF4-FFF2-40B4-BE49-F238E27FC236}">
-                <a16:creationId xmlns:a16="http://schemas.microsoft.com/office/drawing/2014/main" xmlns="" id="{D1B723D3-16E9-3FFA-3BEB-29D95EB5C471}"/>
+                <a16:creationId xmlns="" xmlns:a16="http://schemas.microsoft.com/office/drawing/2014/main" id="{D1B723D3-16E9-3FFA-3BEB-29D95EB5C471}"/>
               </a:ext>
             </a:extLst>
           </p:cNvPr>
@@ -6225,7 +6176,7 @@
             <p:cNvPr id="3" name="Rectangle: Rounded Corners 2">
               <a:extLst>
                 <a:ext uri="{FF2B5EF4-FFF2-40B4-BE49-F238E27FC236}">
-                  <a16:creationId xmlns:a16="http://schemas.microsoft.com/office/drawing/2014/main" xmlns="" id="{0A4BC03C-C509-2AC1-89E0-8A4936C4F726}"/>
+                  <a16:creationId xmlns="" xmlns:a16="http://schemas.microsoft.com/office/drawing/2014/main" id="{0A4BC03C-C509-2AC1-89E0-8A4936C4F726}"/>
                 </a:ext>
               </a:extLst>
             </p:cNvPr>
@@ -6279,7 +6230,7 @@
             <p:cNvPr id="4" name="Rectangle 3">
               <a:extLst>
                 <a:ext uri="{FF2B5EF4-FFF2-40B4-BE49-F238E27FC236}">
-                  <a16:creationId xmlns:a16="http://schemas.microsoft.com/office/drawing/2014/main" xmlns="" id="{1E514923-CEDE-54CE-E850-8827F149D156}"/>
+                  <a16:creationId xmlns="" xmlns:a16="http://schemas.microsoft.com/office/drawing/2014/main" id="{1E514923-CEDE-54CE-E850-8827F149D156}"/>
                 </a:ext>
               </a:extLst>
             </p:cNvPr>
@@ -6569,7 +6520,7 @@
     <a:masterClrMapping/>
   </p:clrMapOvr>
   <mc:AlternateContent xmlns:mc="http://schemas.openxmlformats.org/markup-compatibility/2006">
-    <mc:Choice xmlns:p159="http://schemas.microsoft.com/office/powerpoint/2015/09/main" xmlns="" Requires="p159">
+    <mc:Choice xmlns="" xmlns:p159="http://schemas.microsoft.com/office/powerpoint/2015/09/main" Requires="p159">
       <p:transition xmlns:p14="http://schemas.microsoft.com/office/powerpoint/2010/main" spd="slow" p14:dur="2000">
         <p159:morph option="byObject"/>
       </p:transition>
@@ -7313,7 +7264,7 @@
           <p:cNvPr id="5" name="Group 4">
             <a:extLst>
               <a:ext uri="{FF2B5EF4-FFF2-40B4-BE49-F238E27FC236}">
-                <a16:creationId xmlns:a16="http://schemas.microsoft.com/office/drawing/2014/main" xmlns="" id="{82F0E328-473D-02C7-1739-0A49B73B9B3B}"/>
+                <a16:creationId xmlns="" xmlns:a16="http://schemas.microsoft.com/office/drawing/2014/main" id="{82F0E328-473D-02C7-1739-0A49B73B9B3B}"/>
               </a:ext>
             </a:extLst>
           </p:cNvPr>
@@ -7333,7 +7284,7 @@
             <p:cNvPr id="3" name="Rectangle: Rounded Corners 2">
               <a:extLst>
                 <a:ext uri="{FF2B5EF4-FFF2-40B4-BE49-F238E27FC236}">
-                  <a16:creationId xmlns:a16="http://schemas.microsoft.com/office/drawing/2014/main" xmlns="" id="{479B1ABE-D367-B975-D43D-D186AB4C992D}"/>
+                  <a16:creationId xmlns="" xmlns:a16="http://schemas.microsoft.com/office/drawing/2014/main" id="{479B1ABE-D367-B975-D43D-D186AB4C992D}"/>
                 </a:ext>
               </a:extLst>
             </p:cNvPr>
@@ -7387,7 +7338,7 @@
             <p:cNvPr id="4" name="Rectangle 3">
               <a:extLst>
                 <a:ext uri="{FF2B5EF4-FFF2-40B4-BE49-F238E27FC236}">
-                  <a16:creationId xmlns:a16="http://schemas.microsoft.com/office/drawing/2014/main" xmlns="" id="{4680C5E3-07D9-0BC2-FBCD-CC6E92C501D6}"/>
+                  <a16:creationId xmlns="" xmlns:a16="http://schemas.microsoft.com/office/drawing/2014/main" id="{4680C5E3-07D9-0BC2-FBCD-CC6E92C501D6}"/>
                 </a:ext>
               </a:extLst>
             </p:cNvPr>
@@ -7730,7 +7681,7 @@
     <a:masterClrMapping/>
   </p:clrMapOvr>
   <mc:AlternateContent xmlns:mc="http://schemas.openxmlformats.org/markup-compatibility/2006">
-    <mc:Choice xmlns:p159="http://schemas.microsoft.com/office/powerpoint/2015/09/main" xmlns="" Requires="p159">
+    <mc:Choice xmlns="" xmlns:p159="http://schemas.microsoft.com/office/powerpoint/2015/09/main" Requires="p159">
       <p:transition xmlns:p14="http://schemas.microsoft.com/office/powerpoint/2010/main" spd="slow" p14:dur="2000">
         <p159:morph option="byObject"/>
       </p:transition>
@@ -8474,7 +8425,7 @@
           <p:cNvPr id="5" name="Group 4">
             <a:extLst>
               <a:ext uri="{FF2B5EF4-FFF2-40B4-BE49-F238E27FC236}">
-                <a16:creationId xmlns:a16="http://schemas.microsoft.com/office/drawing/2014/main" xmlns="" id="{0519DB39-9D22-590E-FEDB-5113C996E2DB}"/>
+                <a16:creationId xmlns="" xmlns:a16="http://schemas.microsoft.com/office/drawing/2014/main" id="{0519DB39-9D22-590E-FEDB-5113C996E2DB}"/>
               </a:ext>
             </a:extLst>
           </p:cNvPr>
@@ -8494,7 +8445,7 @@
             <p:cNvPr id="3" name="Rectangle: Rounded Corners 2">
               <a:extLst>
                 <a:ext uri="{FF2B5EF4-FFF2-40B4-BE49-F238E27FC236}">
-                  <a16:creationId xmlns:a16="http://schemas.microsoft.com/office/drawing/2014/main" xmlns="" id="{10A9411A-C875-D88B-622F-E9729BF00EAC}"/>
+                  <a16:creationId xmlns="" xmlns:a16="http://schemas.microsoft.com/office/drawing/2014/main" id="{10A9411A-C875-D88B-622F-E9729BF00EAC}"/>
                 </a:ext>
               </a:extLst>
             </p:cNvPr>
@@ -8548,7 +8499,7 @@
             <p:cNvPr id="4" name="Rectangle 3">
               <a:extLst>
                 <a:ext uri="{FF2B5EF4-FFF2-40B4-BE49-F238E27FC236}">
-                  <a16:creationId xmlns:a16="http://schemas.microsoft.com/office/drawing/2014/main" xmlns="" id="{51F5E487-736D-DD0F-D230-7233C8F6D41C}"/>
+                  <a16:creationId xmlns="" xmlns:a16="http://schemas.microsoft.com/office/drawing/2014/main" id="{51F5E487-736D-DD0F-D230-7233C8F6D41C}"/>
                 </a:ext>
               </a:extLst>
             </p:cNvPr>
@@ -8926,7 +8877,7 @@
     <a:masterClrMapping/>
   </p:clrMapOvr>
   <mc:AlternateContent xmlns:mc="http://schemas.openxmlformats.org/markup-compatibility/2006">
-    <mc:Choice xmlns:p159="http://schemas.microsoft.com/office/powerpoint/2015/09/main" xmlns="" Requires="p159">
+    <mc:Choice xmlns="" xmlns:p159="http://schemas.microsoft.com/office/powerpoint/2015/09/main" Requires="p159">
       <p:transition xmlns:p14="http://schemas.microsoft.com/office/powerpoint/2010/main" spd="slow" p14:dur="2000">
         <p159:morph option="byObject"/>
       </p:transition>
@@ -9677,7 +9628,7 @@
           <p:cNvPr id="5" name="Group 4">
             <a:extLst>
               <a:ext uri="{FF2B5EF4-FFF2-40B4-BE49-F238E27FC236}">
-                <a16:creationId xmlns:a16="http://schemas.microsoft.com/office/drawing/2014/main" xmlns="" id="{BF3C2C50-FA04-B37C-ACC1-8BB6CD6D546E}"/>
+                <a16:creationId xmlns="" xmlns:a16="http://schemas.microsoft.com/office/drawing/2014/main" id="{BF3C2C50-FA04-B37C-ACC1-8BB6CD6D546E}"/>
               </a:ext>
             </a:extLst>
           </p:cNvPr>
@@ -9697,7 +9648,7 @@
             <p:cNvPr id="3" name="Rectangle: Rounded Corners 2">
               <a:extLst>
                 <a:ext uri="{FF2B5EF4-FFF2-40B4-BE49-F238E27FC236}">
-                  <a16:creationId xmlns:a16="http://schemas.microsoft.com/office/drawing/2014/main" xmlns="" id="{52A7BED4-A8AD-6AE2-4634-20C8FC69A6F0}"/>
+                  <a16:creationId xmlns="" xmlns:a16="http://schemas.microsoft.com/office/drawing/2014/main" id="{52A7BED4-A8AD-6AE2-4634-20C8FC69A6F0}"/>
                 </a:ext>
               </a:extLst>
             </p:cNvPr>
@@ -9751,7 +9702,7 @@
             <p:cNvPr id="4" name="Rectangle 3">
               <a:extLst>
                 <a:ext uri="{FF2B5EF4-FFF2-40B4-BE49-F238E27FC236}">
-                  <a16:creationId xmlns:a16="http://schemas.microsoft.com/office/drawing/2014/main" xmlns="" id="{6172F6D0-CF1F-B09F-7DA2-CA84CD5911F3}"/>
+                  <a16:creationId xmlns="" xmlns:a16="http://schemas.microsoft.com/office/drawing/2014/main" id="{6172F6D0-CF1F-B09F-7DA2-CA84CD5911F3}"/>
                 </a:ext>
               </a:extLst>
             </p:cNvPr>
@@ -9988,9 +9939,6 @@
               </a:rPr>
               <a:t>2</a:t>
             </a:r>
-            <a:endParaRPr lang="en-US" sz="4000" dirty="0">
-              <a:latin typeface="Cambria" panose="02040503050406030204" pitchFamily="18" charset="0"/>
-            </a:endParaRPr>
           </a:p>
         </p:txBody>
       </p:sp>
@@ -10005,7 +9953,7 @@
     <a:masterClrMapping/>
   </p:clrMapOvr>
   <mc:AlternateContent xmlns:mc="http://schemas.openxmlformats.org/markup-compatibility/2006">
-    <mc:Choice xmlns:p159="http://schemas.microsoft.com/office/powerpoint/2015/09/main" xmlns="" Requires="p159">
+    <mc:Choice xmlns="" xmlns:p159="http://schemas.microsoft.com/office/powerpoint/2015/09/main" Requires="p159">
       <p:transition xmlns:p14="http://schemas.microsoft.com/office/powerpoint/2010/main" spd="slow" p14:dur="2000">
         <p159:morph option="byObject"/>
       </p:transition>
@@ -10749,7 +10697,7 @@
           <p:cNvPr id="5" name="Group 4">
             <a:extLst>
               <a:ext uri="{FF2B5EF4-FFF2-40B4-BE49-F238E27FC236}">
-                <a16:creationId xmlns:a16="http://schemas.microsoft.com/office/drawing/2014/main" xmlns="" id="{BF3C2C50-FA04-B37C-ACC1-8BB6CD6D546E}"/>
+                <a16:creationId xmlns="" xmlns:a16="http://schemas.microsoft.com/office/drawing/2014/main" id="{BF3C2C50-FA04-B37C-ACC1-8BB6CD6D546E}"/>
               </a:ext>
             </a:extLst>
           </p:cNvPr>
@@ -10769,7 +10717,7 @@
             <p:cNvPr id="3" name="Rectangle: Rounded Corners 2">
               <a:extLst>
                 <a:ext uri="{FF2B5EF4-FFF2-40B4-BE49-F238E27FC236}">
-                  <a16:creationId xmlns:a16="http://schemas.microsoft.com/office/drawing/2014/main" xmlns="" id="{52A7BED4-A8AD-6AE2-4634-20C8FC69A6F0}"/>
+                  <a16:creationId xmlns="" xmlns:a16="http://schemas.microsoft.com/office/drawing/2014/main" id="{52A7BED4-A8AD-6AE2-4634-20C8FC69A6F0}"/>
                 </a:ext>
               </a:extLst>
             </p:cNvPr>
@@ -10823,7 +10771,7 @@
             <p:cNvPr id="4" name="Rectangle 3">
               <a:extLst>
                 <a:ext uri="{FF2B5EF4-FFF2-40B4-BE49-F238E27FC236}">
-                  <a16:creationId xmlns:a16="http://schemas.microsoft.com/office/drawing/2014/main" xmlns="" id="{6172F6D0-CF1F-B09F-7DA2-CA84CD5911F3}"/>
+                  <a16:creationId xmlns="" xmlns:a16="http://schemas.microsoft.com/office/drawing/2014/main" id="{6172F6D0-CF1F-B09F-7DA2-CA84CD5911F3}"/>
                 </a:ext>
               </a:extLst>
             </p:cNvPr>
@@ -11000,9 +10948,6 @@
               </a:rPr>
               <a:t>5</a:t>
             </a:r>
-            <a:endParaRPr lang="en-US" sz="4000" dirty="0">
-              <a:latin typeface="Cambria" panose="02040503050406030204" pitchFamily="18" charset="0"/>
-            </a:endParaRPr>
           </a:p>
         </p:txBody>
       </p:sp>
@@ -11065,9 +11010,6 @@
               </a:rPr>
               <a:t>2</a:t>
             </a:r>
-            <a:endParaRPr lang="en-US" sz="4000" dirty="0">
-              <a:latin typeface="Cambria" panose="02040503050406030204" pitchFamily="18" charset="0"/>
-            </a:endParaRPr>
           </a:p>
         </p:txBody>
       </p:sp>
@@ -11082,7 +11024,7 @@
     <a:masterClrMapping/>
   </p:clrMapOvr>
   <mc:AlternateContent xmlns:mc="http://schemas.openxmlformats.org/markup-compatibility/2006">
-    <mc:Choice xmlns:p159="http://schemas.microsoft.com/office/powerpoint/2015/09/main" xmlns="" Requires="p159">
+    <mc:Choice xmlns="" xmlns:p159="http://schemas.microsoft.com/office/powerpoint/2015/09/main" Requires="p159">
       <p:transition xmlns:p14="http://schemas.microsoft.com/office/powerpoint/2010/main" spd="slow" p14:dur="2000">
         <p159:morph option="byObject"/>
       </p:transition>
